--- a/day2/notes.pptx
+++ b/day2/notes.pptx
@@ -8,8 +8,9 @@
     <p:sldId id="266" r:id="rId2"/>
     <p:sldId id="267" r:id="rId3"/>
     <p:sldId id="268" r:id="rId4"/>
-    <p:sldId id="269" r:id="rId5"/>
-    <p:sldId id="270" r:id="rId6"/>
+    <p:sldId id="271" r:id="rId5"/>
+    <p:sldId id="269" r:id="rId6"/>
+    <p:sldId id="270" r:id="rId7"/>
   </p:sldIdLst>
   <p:sldSz cx="12192000" cy="6858000"/>
   <p:notesSz cx="6858000" cy="9144000"/>
@@ -108,6 +109,11 @@
       </a:defRPr>
     </a:lvl9pPr>
   </p:defaultTextStyle>
+  <p:extLst>
+    <p:ext uri="{EFAFB233-063F-42B5-8137-9DF3F51BA10A}">
+      <p15:sldGuideLst xmlns:p15="http://schemas.microsoft.com/office/powerpoint/2012/main"/>
+    </p:ext>
+  </p:extLst>
 </p:presentation>
 </file>
 
@@ -5888,6 +5894,125 @@
           <a:chExt cx="0" cy="0"/>
         </a:xfrm>
       </p:grpSpPr>
+      <p:pic>
+        <p:nvPicPr>
+          <p:cNvPr id="5" name="Content Placeholder 4">
+            <a:extLst>
+              <a:ext uri="{FF2B5EF4-FFF2-40B4-BE49-F238E27FC236}">
+                <a16:creationId xmlns:a16="http://schemas.microsoft.com/office/drawing/2014/main" id="{E0A63B3A-898D-5D9F-2D5D-A2F5D2631717}"/>
+              </a:ext>
+            </a:extLst>
+          </p:cNvPr>
+          <p:cNvPicPr>
+            <a:picLocks noGrp="1" noChangeAspect="1"/>
+          </p:cNvPicPr>
+          <p:nvPr>
+            <p:ph idx="1"/>
+          </p:nvPr>
+        </p:nvPicPr>
+        <p:blipFill>
+          <a:blip r:embed="rId2"/>
+          <a:stretch>
+            <a:fillRect/>
+          </a:stretch>
+        </p:blipFill>
+        <p:spPr>
+          <a:xfrm>
+            <a:off x="495886" y="1727474"/>
+            <a:ext cx="3430036" cy="3094228"/>
+          </a:xfrm>
+        </p:spPr>
+      </p:pic>
+      <p:pic>
+        <p:nvPicPr>
+          <p:cNvPr id="7" name="Picture 6">
+            <a:extLst>
+              <a:ext uri="{FF2B5EF4-FFF2-40B4-BE49-F238E27FC236}">
+                <a16:creationId xmlns:a16="http://schemas.microsoft.com/office/drawing/2014/main" id="{91551A5A-A476-496D-E459-C5342457F471}"/>
+              </a:ext>
+            </a:extLst>
+          </p:cNvPr>
+          <p:cNvPicPr>
+            <a:picLocks noChangeAspect="1"/>
+          </p:cNvPicPr>
+          <p:nvPr/>
+        </p:nvPicPr>
+        <p:blipFill>
+          <a:blip r:embed="rId3"/>
+          <a:stretch>
+            <a:fillRect/>
+          </a:stretch>
+        </p:blipFill>
+        <p:spPr>
+          <a:xfrm>
+            <a:off x="4577267" y="1673500"/>
+            <a:ext cx="3531806" cy="3148202"/>
+          </a:xfrm>
+          <a:prstGeom prst="rect">
+            <a:avLst/>
+          </a:prstGeom>
+        </p:spPr>
+      </p:pic>
+      <p:pic>
+        <p:nvPicPr>
+          <p:cNvPr id="11" name="Picture 10">
+            <a:extLst>
+              <a:ext uri="{FF2B5EF4-FFF2-40B4-BE49-F238E27FC236}">
+                <a16:creationId xmlns:a16="http://schemas.microsoft.com/office/drawing/2014/main" id="{F85AC3CE-DABB-43C4-1C6D-F4FFFA25DC81}"/>
+              </a:ext>
+            </a:extLst>
+          </p:cNvPr>
+          <p:cNvPicPr>
+            <a:picLocks noChangeAspect="1"/>
+          </p:cNvPicPr>
+          <p:nvPr/>
+        </p:nvPicPr>
+        <p:blipFill>
+          <a:blip r:embed="rId4"/>
+          <a:stretch>
+            <a:fillRect/>
+          </a:stretch>
+        </p:blipFill>
+        <p:spPr>
+          <a:xfrm>
+            <a:off x="8601834" y="1753361"/>
+            <a:ext cx="3385012" cy="3153778"/>
+          </a:xfrm>
+          <a:prstGeom prst="rect">
+            <a:avLst/>
+          </a:prstGeom>
+        </p:spPr>
+      </p:pic>
+    </p:spTree>
+    <p:extLst>
+      <p:ext uri="{BB962C8B-B14F-4D97-AF65-F5344CB8AC3E}">
+        <p14:creationId xmlns:p14="http://schemas.microsoft.com/office/powerpoint/2010/main" val="1758627085"/>
+      </p:ext>
+    </p:extLst>
+  </p:cSld>
+  <p:clrMapOvr>
+    <a:masterClrMapping/>
+  </p:clrMapOvr>
+</p:sld>
+</file>
+
+<file path=ppt/slides/slide5.xml><?xml version="1.0" encoding="utf-8"?>
+<p:sld xmlns:a="http://schemas.openxmlformats.org/drawingml/2006/main" xmlns:r="http://schemas.openxmlformats.org/officeDocument/2006/relationships" xmlns:p="http://schemas.openxmlformats.org/presentationml/2006/main">
+  <p:cSld>
+    <p:spTree>
+      <p:nvGrpSpPr>
+        <p:cNvPr id="1" name=""/>
+        <p:cNvGrpSpPr/>
+        <p:nvPr/>
+      </p:nvGrpSpPr>
+      <p:grpSpPr>
+        <a:xfrm>
+          <a:off x="0" y="0"/>
+          <a:ext cx="0" cy="0"/>
+          <a:chOff x="0" y="0"/>
+          <a:chExt cx="0" cy="0"/>
+        </a:xfrm>
+      </p:grpSpPr>
       <p:sp>
         <p:nvSpPr>
           <p:cNvPr id="2" name="Title 1">
@@ -6001,7 +6126,7 @@
 </p:sld>
 </file>
 
-<file path=ppt/slides/slide5.xml><?xml version="1.0" encoding="utf-8"?>
+<file path=ppt/slides/slide6.xml><?xml version="1.0" encoding="utf-8"?>
 <p:sld xmlns:a="http://schemas.openxmlformats.org/drawingml/2006/main" xmlns:r="http://schemas.openxmlformats.org/officeDocument/2006/relationships" xmlns:p="http://schemas.openxmlformats.org/presentationml/2006/main">
   <p:cSld>
     <p:spTree>
